--- a/Rajendra_Avocado_Price_Prediction_Project_Term2.pptx
+++ b/Rajendra_Avocado_Price_Prediction_Project_Term2.pptx
@@ -3734,7 +3734,9 @@
           </a:prstGeom>
         </p:spPr>
         <p:txBody>
-          <a:bodyPr/>
+          <a:bodyPr>
+            <a:normAutofit/>
+          </a:bodyPr>
           <a:lstStyle/>
           <a:p>
             <a:pPr algn="ctr">
@@ -3746,18 +3748,16 @@
               </a:defRPr>
             </a:pPr>
             <a:r>
-              <a:rPr lang="en-US" dirty="0"/>
-              <a:t>Avocado </a:t>
-            </a:r>
-            <a:r>
-              <a:rPr lang="en-US"/>
-              <a:t>Price Predictio</a:t>
-            </a:r>
-            <a:r>
-              <a:rPr lang="en-US" dirty="0"/>
-              <a:t>n</a:t>
-            </a:r>
-            <a:endParaRPr dirty="0"/>
+              <a:rPr lang="en-US" sz="4000" b="1" dirty="0">
+                <a:latin typeface="Harlow Solid Italic" panose="04030604020F02020D02" pitchFamily="82" charset="0"/>
+                <a:cs typeface="Times New Roman" panose="02020603050405020304" pitchFamily="18" charset="0"/>
+              </a:rPr>
+              <a:t>Avocado Price Prediction</a:t>
+            </a:r>
+            <a:endParaRPr sz="4000" b="1" dirty="0">
+              <a:latin typeface="Harlow Solid Italic" panose="04030604020F02020D02" pitchFamily="82" charset="0"/>
+              <a:cs typeface="Times New Roman" panose="02020603050405020304" pitchFamily="18" charset="0"/>
+            </a:endParaRPr>
           </a:p>
           <a:p>
             <a:pPr algn="ctr">
@@ -3768,7 +3768,10 @@
                 <a:sym typeface="Arial"/>
               </a:defRPr>
             </a:pPr>
-            <a:endParaRPr dirty="0"/>
+            <a:endParaRPr sz="4000" b="1" dirty="0">
+              <a:latin typeface="Harlow Solid Italic" panose="04030604020F02020D02" pitchFamily="82" charset="0"/>
+              <a:cs typeface="Times New Roman" panose="02020603050405020304" pitchFamily="18" charset="0"/>
+            </a:endParaRPr>
           </a:p>
           <a:p>
             <a:pPr algn="ctr">
@@ -3780,14 +3783,23 @@
               </a:defRPr>
             </a:pPr>
             <a:r>
-              <a:rPr dirty="0"/>
+              <a:rPr sz="4000" b="1" dirty="0">
+                <a:latin typeface="Harlow Solid Italic" panose="04030604020F02020D02" pitchFamily="82" charset="0"/>
+                <a:cs typeface="Times New Roman" panose="02020603050405020304" pitchFamily="18" charset="0"/>
+              </a:rPr>
               <a:t>by </a:t>
             </a:r>
             <a:r>
-              <a:rPr lang="en-US" dirty="0"/>
+              <a:rPr lang="en-US" sz="4000" b="1" dirty="0">
+                <a:latin typeface="Harlow Solid Italic" panose="04030604020F02020D02" pitchFamily="82" charset="0"/>
+                <a:cs typeface="Times New Roman" panose="02020603050405020304" pitchFamily="18" charset="0"/>
+              </a:rPr>
               <a:t>Rajendra Solleti</a:t>
             </a:r>
-            <a:endParaRPr dirty="0"/>
+            <a:endParaRPr sz="4000" b="1" dirty="0">
+              <a:latin typeface="Harlow Solid Italic" panose="04030604020F02020D02" pitchFamily="82" charset="0"/>
+              <a:cs typeface="Times New Roman" panose="02020603050405020304" pitchFamily="18" charset="0"/>
+            </a:endParaRPr>
           </a:p>
         </p:txBody>
       </p:sp>
@@ -3981,6 +3993,20 @@
             </a:lvl1pPr>
           </a:lstStyle>
           <a:p>
+            <a:r>
+              <a:rPr lang="en-US" dirty="0"/>
+              <a:t>Avocadoes are seasonal fruits which are produced in high numbers during February and least during October. Correspondingly price remains at its lowest during February and highest during October.</a:t>
+            </a:r>
+          </a:p>
+          <a:p>
+            <a:r>
+              <a:rPr lang="en-US" dirty="0"/>
+              <a:t>Random forest regressor is the best suited method for predicting the price as it an ensemble of multiple classification models providing us with very high level of accuracy and </a:t>
+            </a:r>
+            <a:r>
+              <a:rPr lang="en-US"/>
+              <a:t>minimum overfitting.</a:t>
+            </a:r>
             <a:endParaRPr dirty="0"/>
           </a:p>
         </p:txBody>
@@ -4272,7 +4298,7 @@
               <a:rPr lang="en-US" dirty="0">
                 <a:sym typeface="Arial"/>
               </a:rPr>
-              <a:t>Hartford Springfield and San Francisco seems to be the costliest states while Southcentral and Houston remains to be the cheapest.</a:t>
+              <a:t>Hartford Springfield and San Francisco seems to be the regions having the highest price for avocadoes while Southcentral and Houston seem to have the lowest price.</a:t>
             </a:r>
             <a:endParaRPr lang="en-US" dirty="0"/>
           </a:p>
@@ -4481,7 +4507,10 @@
               <a:buChar char="v"/>
             </a:pPr>
             <a:r>
-              <a:rPr lang="en-US" dirty="0"/>
+              <a:rPr lang="en-US" dirty="0">
+                <a:latin typeface="Arial" panose="020B0604020202020204" pitchFamily="34" charset="0"/>
+                <a:cs typeface="Arial" panose="020B0604020202020204" pitchFamily="34" charset="0"/>
+              </a:rPr>
               <a:t>We could observe from this graph that September and October are the months where the price seems to be at its highest and volume at its lowest</a:t>
             </a:r>
           </a:p>
@@ -4491,7 +4520,10 @@
               <a:buChar char="v"/>
             </a:pPr>
             <a:r>
-              <a:rPr lang="en-US" dirty="0"/>
+              <a:rPr lang="en-US" dirty="0">
+                <a:latin typeface="Arial" panose="020B0604020202020204" pitchFamily="34" charset="0"/>
+                <a:cs typeface="Arial" panose="020B0604020202020204" pitchFamily="34" charset="0"/>
+              </a:rPr>
               <a:t>February is the month where the price seems to be the lowest and volume highest.</a:t>
             </a:r>
           </a:p>
@@ -4501,7 +4533,10 @@
               <a:buChar char="v"/>
             </a:pPr>
             <a:r>
-              <a:rPr lang="en-US" dirty="0"/>
+              <a:rPr lang="en-US" dirty="0">
+                <a:latin typeface="Arial" panose="020B0604020202020204" pitchFamily="34" charset="0"/>
+                <a:cs typeface="Arial" panose="020B0604020202020204" pitchFamily="34" charset="0"/>
+              </a:rPr>
               <a:t>We could conclude that price and volume are inversely proportional.</a:t>
             </a:r>
           </a:p>
@@ -4510,7 +4545,10 @@
               <a:buFont typeface="Wingdings" panose="05000000000000000000" pitchFamily="2" charset="2"/>
               <a:buChar char="v"/>
             </a:pPr>
-            <a:endParaRPr lang="en-US" dirty="0"/>
+            <a:endParaRPr lang="en-US" dirty="0">
+              <a:latin typeface="Arial" panose="020B0604020202020204" pitchFamily="34" charset="0"/>
+              <a:cs typeface="Arial" panose="020B0604020202020204" pitchFamily="34" charset="0"/>
+            </a:endParaRPr>
           </a:p>
         </p:txBody>
       </p:sp>
@@ -4694,7 +4732,18 @@
             </a:pPr>
             <a:r>
               <a:rPr lang="en-US" dirty="0"/>
-              <a:t>Hartford Springfield and San Francisco seems to be the costliest states while southcentral and Houston remains to be the cheapest.</a:t>
+              <a:t>Hartford Springfield </a:t>
+            </a:r>
+            <a:r>
+              <a:rPr lang="en-US" dirty="0">
+                <a:latin typeface="Arial" panose="020B0604020202020204" pitchFamily="34" charset="0"/>
+                <a:cs typeface="Arial" panose="020B0604020202020204" pitchFamily="34" charset="0"/>
+              </a:rPr>
+              <a:t>and</a:t>
+            </a:r>
+            <a:r>
+              <a:rPr lang="en-US" dirty="0"/>
+              <a:t> San Francisco seems to be the costliest states while southcentral and Houston remains to be the cheapest.</a:t>
             </a:r>
             <a:endParaRPr dirty="0"/>
           </a:p>
@@ -4922,7 +4971,18 @@
             </a:pPr>
             <a:r>
               <a:rPr lang="en-US" dirty="0"/>
-              <a:t>Volume is highly correlated with different bag sizes and </a:t>
+              <a:t>Volume is highly </a:t>
+            </a:r>
+            <a:r>
+              <a:rPr lang="en-US" dirty="0">
+                <a:latin typeface="Arial" panose="020B0604020202020204" pitchFamily="34" charset="0"/>
+                <a:cs typeface="Arial" panose="020B0604020202020204" pitchFamily="34" charset="0"/>
+              </a:rPr>
+              <a:t>correlated</a:t>
+            </a:r>
+            <a:r>
+              <a:rPr lang="en-US" dirty="0"/>
+              <a:t> with different bag sizes and </a:t>
             </a:r>
             <a:r>
               <a:rPr lang="en-US" dirty="0" err="1"/>
@@ -5125,7 +5185,18 @@
             </a:pPr>
             <a:r>
               <a:rPr lang="en-US" dirty="0"/>
-              <a:t>Linear Regression only has two parameters available for tuning fit intercept and normalize. Copy and </a:t>
+              <a:t>Linear Regression only has two parameters available for tuning fit intercept </a:t>
+            </a:r>
+            <a:r>
+              <a:rPr lang="en-US" dirty="0">
+                <a:latin typeface="Arial" panose="020B0604020202020204" pitchFamily="34" charset="0"/>
+                <a:cs typeface="Arial" panose="020B0604020202020204" pitchFamily="34" charset="0"/>
+              </a:rPr>
+              <a:t>and</a:t>
+            </a:r>
+            <a:r>
+              <a:rPr lang="en-US" dirty="0"/>
+              <a:t> normalize. Copy and </a:t>
             </a:r>
             <a:r>
               <a:rPr lang="en-US" dirty="0" err="1"/>
@@ -5202,6 +5273,10 @@
           </p:nvPr>
         </p:nvSpPr>
         <p:spPr>
+          <a:xfrm>
+            <a:off x="508000" y="609600"/>
+            <a:ext cx="11988800" cy="1600200"/>
+          </a:xfrm>
           <a:prstGeom prst="rect">
             <a:avLst/>
           </a:prstGeom>
@@ -5248,8 +5323,8 @@
         </p:nvSpPr>
         <p:spPr>
           <a:xfrm>
-            <a:off x="508000" y="2178050"/>
-            <a:ext cx="11988800" cy="6775450"/>
+            <a:off x="508000" y="2514600"/>
+            <a:ext cx="11988800" cy="6438900"/>
           </a:xfrm>
           <a:prstGeom prst="rect">
             <a:avLst/>
